--- a/Documents/연결 시각화.pptx
+++ b/Documents/연결 시각화.pptx
@@ -5089,6 +5089,1065 @@
           </a:p>
         </p:txBody>
       </p:sp>
+      <p:sp>
+        <p:nvSpPr>
+          <p:cNvPr id="35" name="다이아몬드 34">
+            <a:extLst>
+              <a:ext uri="{FF2B5EF4-FFF2-40B4-BE49-F238E27FC236}">
+                <a16:creationId xmlns:a16="http://schemas.microsoft.com/office/drawing/2014/main" id="{BFBD1A6E-E170-4F96-AEBC-A4CABE43D1C3}"/>
+              </a:ext>
+            </a:extLst>
+          </p:cNvPr>
+          <p:cNvSpPr/>
+          <p:nvPr/>
+        </p:nvSpPr>
+        <p:spPr>
+          <a:xfrm>
+            <a:off x="8332402" y="2015839"/>
+            <a:ext cx="1506682" cy="384463"/>
+          </a:xfrm>
+          <a:prstGeom prst="diamond">
+            <a:avLst/>
+          </a:prstGeom>
+          <a:noFill/>
+          <a:ln>
+            <a:solidFill>
+              <a:schemeClr val="tx1"/>
+            </a:solidFill>
+          </a:ln>
+        </p:spPr>
+        <p:style>
+          <a:lnRef idx="2">
+            <a:schemeClr val="accent1">
+              <a:shade val="50000"/>
+            </a:schemeClr>
+          </a:lnRef>
+          <a:fillRef idx="1">
+            <a:schemeClr val="accent1"/>
+          </a:fillRef>
+          <a:effectRef idx="0">
+            <a:schemeClr val="accent1"/>
+          </a:effectRef>
+          <a:fontRef idx="minor">
+            <a:schemeClr val="lt1"/>
+          </a:fontRef>
+        </p:style>
+        <p:txBody>
+          <a:bodyPr rot="0" spcFirstLastPara="0" vertOverflow="overflow" horzOverflow="overflow" vert="horz" wrap="square" lIns="91440" tIns="45720" rIns="91440" bIns="45720" numCol="1" spcCol="0" rtlCol="0" fromWordArt="0" anchor="ctr" anchorCtr="0" forceAA="0" compatLnSpc="1">
+            <a:prstTxWarp prst="textNoShape">
+              <a:avLst/>
+            </a:prstTxWarp>
+            <a:noAutofit/>
+          </a:bodyPr>
+          <a:lstStyle/>
+          <a:p>
+            <a:pPr algn="ctr"/>
+            <a:endParaRPr lang="ko-KR" altLang="en-US" sz="1200" dirty="0">
+              <a:solidFill>
+                <a:sysClr val="windowText" lastClr="000000"/>
+              </a:solidFill>
+            </a:endParaRPr>
+          </a:p>
+        </p:txBody>
+      </p:sp>
+      <p:sp>
+        <p:nvSpPr>
+          <p:cNvPr id="36" name="직사각형 35">
+            <a:extLst>
+              <a:ext uri="{FF2B5EF4-FFF2-40B4-BE49-F238E27FC236}">
+                <a16:creationId xmlns:a16="http://schemas.microsoft.com/office/drawing/2014/main" id="{68D4C1A8-4262-4C8C-A2E5-6642C9ACE634}"/>
+              </a:ext>
+            </a:extLst>
+          </p:cNvPr>
+          <p:cNvSpPr/>
+          <p:nvPr/>
+        </p:nvSpPr>
+        <p:spPr>
+          <a:xfrm>
+            <a:off x="8554187" y="2069570"/>
+            <a:ext cx="1063112" cy="276999"/>
+          </a:xfrm>
+          <a:prstGeom prst="rect">
+            <a:avLst/>
+          </a:prstGeom>
+        </p:spPr>
+        <p:txBody>
+          <a:bodyPr wrap="none">
+            <a:spAutoFit/>
+          </a:bodyPr>
+          <a:lstStyle/>
+          <a:p>
+            <a:pPr algn="ctr"/>
+            <a:r>
+              <a:rPr lang="ko-KR" altLang="en-US" sz="1200" dirty="0">
+                <a:solidFill>
+                  <a:sysClr val="windowText" lastClr="000000"/>
+                </a:solidFill>
+              </a:rPr>
+              <a:t>하단 바 버튼</a:t>
+            </a:r>
+          </a:p>
+        </p:txBody>
+      </p:sp>
+      <p:cxnSp>
+        <p:nvCxnSpPr>
+          <p:cNvPr id="41" name="직선 화살표 연결선 40">
+            <a:extLst>
+              <a:ext uri="{FF2B5EF4-FFF2-40B4-BE49-F238E27FC236}">
+                <a16:creationId xmlns:a16="http://schemas.microsoft.com/office/drawing/2014/main" id="{638D7991-DB10-4F35-A5E0-7FEEA1681CD9}"/>
+              </a:ext>
+            </a:extLst>
+          </p:cNvPr>
+          <p:cNvCxnSpPr>
+            <a:cxnSpLocks/>
+            <a:stCxn id="35" idx="0"/>
+            <a:endCxn id="12" idx="2"/>
+          </p:cNvCxnSpPr>
+          <p:nvPr/>
+        </p:nvCxnSpPr>
+        <p:spPr>
+          <a:xfrm flipH="1" flipV="1">
+            <a:off x="7602682" y="1804555"/>
+            <a:ext cx="1483061" cy="211284"/>
+          </a:xfrm>
+          <a:prstGeom prst="straightConnector1">
+            <a:avLst/>
+          </a:prstGeom>
+          <a:ln>
+            <a:solidFill>
+              <a:schemeClr val="tx1"/>
+            </a:solidFill>
+            <a:headEnd type="triangle" w="med" len="med"/>
+            <a:tailEnd type="none" w="med" len="med"/>
+          </a:ln>
+        </p:spPr>
+        <p:style>
+          <a:lnRef idx="1">
+            <a:schemeClr val="accent1"/>
+          </a:lnRef>
+          <a:fillRef idx="0">
+            <a:schemeClr val="accent1"/>
+          </a:fillRef>
+          <a:effectRef idx="0">
+            <a:schemeClr val="accent1"/>
+          </a:effectRef>
+          <a:fontRef idx="minor">
+            <a:schemeClr val="tx1"/>
+          </a:fontRef>
+        </p:style>
+      </p:cxnSp>
+      <p:sp>
+        <p:nvSpPr>
+          <p:cNvPr id="42" name="직사각형 41">
+            <a:extLst>
+              <a:ext uri="{FF2B5EF4-FFF2-40B4-BE49-F238E27FC236}">
+                <a16:creationId xmlns:a16="http://schemas.microsoft.com/office/drawing/2014/main" id="{AAEB4E73-FD55-4872-B34A-57E4A683C2F1}"/>
+              </a:ext>
+            </a:extLst>
+          </p:cNvPr>
+          <p:cNvSpPr/>
+          <p:nvPr/>
+        </p:nvSpPr>
+        <p:spPr>
+          <a:xfrm>
+            <a:off x="6534775" y="2803817"/>
+            <a:ext cx="1259032" cy="192232"/>
+          </a:xfrm>
+          <a:prstGeom prst="rect">
+            <a:avLst/>
+          </a:prstGeom>
+          <a:noFill/>
+          <a:ln>
+            <a:solidFill>
+              <a:schemeClr val="tx1"/>
+            </a:solidFill>
+          </a:ln>
+        </p:spPr>
+        <p:style>
+          <a:lnRef idx="2">
+            <a:schemeClr val="accent1">
+              <a:shade val="50000"/>
+            </a:schemeClr>
+          </a:lnRef>
+          <a:fillRef idx="1">
+            <a:schemeClr val="accent1"/>
+          </a:fillRef>
+          <a:effectRef idx="0">
+            <a:schemeClr val="accent1"/>
+          </a:effectRef>
+          <a:fontRef idx="minor">
+            <a:schemeClr val="lt1"/>
+          </a:fontRef>
+        </p:style>
+        <p:txBody>
+          <a:bodyPr rtlCol="0" anchor="ctr"/>
+          <a:lstStyle/>
+          <a:p>
+            <a:pPr algn="ctr"/>
+            <a:r>
+              <a:rPr lang="en-US" altLang="ko-KR" sz="1100" dirty="0" err="1">
+                <a:solidFill>
+                  <a:sysClr val="windowText" lastClr="000000"/>
+                </a:solidFill>
+              </a:rPr>
+              <a:t>buyerUIHome</a:t>
+            </a:r>
+            <a:endParaRPr lang="ko-KR" altLang="en-US" sz="1100" dirty="0">
+              <a:solidFill>
+                <a:sysClr val="windowText" lastClr="000000"/>
+              </a:solidFill>
+            </a:endParaRPr>
+          </a:p>
+        </p:txBody>
+      </p:sp>
+      <p:sp>
+        <p:nvSpPr>
+          <p:cNvPr id="43" name="직사각형 42">
+            <a:extLst>
+              <a:ext uri="{FF2B5EF4-FFF2-40B4-BE49-F238E27FC236}">
+                <a16:creationId xmlns:a16="http://schemas.microsoft.com/office/drawing/2014/main" id="{13714242-E39B-4DC9-849B-706D6BD352CA}"/>
+              </a:ext>
+            </a:extLst>
+          </p:cNvPr>
+          <p:cNvSpPr/>
+          <p:nvPr/>
+        </p:nvSpPr>
+        <p:spPr>
+          <a:xfrm>
+            <a:off x="7820762" y="2799918"/>
+            <a:ext cx="1259032" cy="192232"/>
+          </a:xfrm>
+          <a:prstGeom prst="rect">
+            <a:avLst/>
+          </a:prstGeom>
+          <a:noFill/>
+          <a:ln>
+            <a:solidFill>
+              <a:schemeClr val="tx1"/>
+            </a:solidFill>
+          </a:ln>
+        </p:spPr>
+        <p:style>
+          <a:lnRef idx="2">
+            <a:schemeClr val="accent1">
+              <a:shade val="50000"/>
+            </a:schemeClr>
+          </a:lnRef>
+          <a:fillRef idx="1">
+            <a:schemeClr val="accent1"/>
+          </a:fillRef>
+          <a:effectRef idx="0">
+            <a:schemeClr val="accent1"/>
+          </a:effectRef>
+          <a:fontRef idx="minor">
+            <a:schemeClr val="lt1"/>
+          </a:fontRef>
+        </p:style>
+        <p:txBody>
+          <a:bodyPr rtlCol="0" anchor="ctr"/>
+          <a:lstStyle/>
+          <a:p>
+            <a:pPr algn="ctr"/>
+            <a:r>
+              <a:rPr lang="en-US" altLang="ko-KR" sz="1100" dirty="0" err="1">
+                <a:solidFill>
+                  <a:sysClr val="windowText" lastClr="000000"/>
+                </a:solidFill>
+              </a:rPr>
+              <a:t>buyerUIHistory</a:t>
+            </a:r>
+            <a:endParaRPr lang="ko-KR" altLang="en-US" sz="1100" dirty="0">
+              <a:solidFill>
+                <a:sysClr val="windowText" lastClr="000000"/>
+              </a:solidFill>
+            </a:endParaRPr>
+          </a:p>
+        </p:txBody>
+      </p:sp>
+      <p:sp>
+        <p:nvSpPr>
+          <p:cNvPr id="45" name="직사각형 44">
+            <a:extLst>
+              <a:ext uri="{FF2B5EF4-FFF2-40B4-BE49-F238E27FC236}">
+                <a16:creationId xmlns:a16="http://schemas.microsoft.com/office/drawing/2014/main" id="{DC5CA4F5-0EAA-4104-A1D5-672325658833}"/>
+              </a:ext>
+            </a:extLst>
+          </p:cNvPr>
+          <p:cNvSpPr/>
+          <p:nvPr/>
+        </p:nvSpPr>
+        <p:spPr>
+          <a:xfrm>
+            <a:off x="10392736" y="2799918"/>
+            <a:ext cx="1259032" cy="192232"/>
+          </a:xfrm>
+          <a:prstGeom prst="rect">
+            <a:avLst/>
+          </a:prstGeom>
+          <a:noFill/>
+          <a:ln>
+            <a:solidFill>
+              <a:schemeClr val="tx1"/>
+            </a:solidFill>
+          </a:ln>
+        </p:spPr>
+        <p:style>
+          <a:lnRef idx="2">
+            <a:schemeClr val="accent1">
+              <a:shade val="50000"/>
+            </a:schemeClr>
+          </a:lnRef>
+          <a:fillRef idx="1">
+            <a:schemeClr val="accent1"/>
+          </a:fillRef>
+          <a:effectRef idx="0">
+            <a:schemeClr val="accent1"/>
+          </a:effectRef>
+          <a:fontRef idx="minor">
+            <a:schemeClr val="lt1"/>
+          </a:fontRef>
+        </p:style>
+        <p:txBody>
+          <a:bodyPr rtlCol="0" anchor="ctr"/>
+          <a:lstStyle/>
+          <a:p>
+            <a:pPr algn="ctr"/>
+            <a:r>
+              <a:rPr lang="en-US" altLang="ko-KR" sz="1100" dirty="0" err="1">
+                <a:solidFill>
+                  <a:sysClr val="windowText" lastClr="000000"/>
+                </a:solidFill>
+              </a:rPr>
+              <a:t>buyerUIInfo</a:t>
+            </a:r>
+            <a:endParaRPr lang="ko-KR" altLang="en-US" sz="1100" dirty="0">
+              <a:solidFill>
+                <a:sysClr val="windowText" lastClr="000000"/>
+              </a:solidFill>
+            </a:endParaRPr>
+          </a:p>
+        </p:txBody>
+      </p:sp>
+      <p:sp>
+        <p:nvSpPr>
+          <p:cNvPr id="46" name="직사각형 45">
+            <a:extLst>
+              <a:ext uri="{FF2B5EF4-FFF2-40B4-BE49-F238E27FC236}">
+                <a16:creationId xmlns:a16="http://schemas.microsoft.com/office/drawing/2014/main" id="{A5E8ABA1-7E1A-47F2-BFEA-2E47B0D6C05F}"/>
+              </a:ext>
+            </a:extLst>
+          </p:cNvPr>
+          <p:cNvSpPr/>
+          <p:nvPr/>
+        </p:nvSpPr>
+        <p:spPr>
+          <a:xfrm>
+            <a:off x="9106749" y="2799918"/>
+            <a:ext cx="1259032" cy="192232"/>
+          </a:xfrm>
+          <a:prstGeom prst="rect">
+            <a:avLst/>
+          </a:prstGeom>
+          <a:noFill/>
+          <a:ln>
+            <a:solidFill>
+              <a:schemeClr val="tx1"/>
+            </a:solidFill>
+          </a:ln>
+        </p:spPr>
+        <p:style>
+          <a:lnRef idx="2">
+            <a:schemeClr val="accent1">
+              <a:shade val="50000"/>
+            </a:schemeClr>
+          </a:lnRef>
+          <a:fillRef idx="1">
+            <a:schemeClr val="accent1"/>
+          </a:fillRef>
+          <a:effectRef idx="0">
+            <a:schemeClr val="accent1"/>
+          </a:effectRef>
+          <a:fontRef idx="minor">
+            <a:schemeClr val="lt1"/>
+          </a:fontRef>
+        </p:style>
+        <p:txBody>
+          <a:bodyPr rtlCol="0" anchor="ctr"/>
+          <a:lstStyle/>
+          <a:p>
+            <a:pPr algn="ctr"/>
+            <a:r>
+              <a:rPr lang="en-US" altLang="ko-KR" sz="1100" dirty="0" err="1">
+                <a:solidFill>
+                  <a:sysClr val="windowText" lastClr="000000"/>
+                </a:solidFill>
+              </a:rPr>
+              <a:t>buyerUIToday</a:t>
+            </a:r>
+            <a:endParaRPr lang="ko-KR" altLang="en-US" sz="1100" dirty="0">
+              <a:solidFill>
+                <a:sysClr val="windowText" lastClr="000000"/>
+              </a:solidFill>
+            </a:endParaRPr>
+          </a:p>
+        </p:txBody>
+      </p:sp>
+      <p:cxnSp>
+        <p:nvCxnSpPr>
+          <p:cNvPr id="48" name="직선 화살표 연결선 47">
+            <a:extLst>
+              <a:ext uri="{FF2B5EF4-FFF2-40B4-BE49-F238E27FC236}">
+                <a16:creationId xmlns:a16="http://schemas.microsoft.com/office/drawing/2014/main" id="{964B2678-9938-4CEB-842B-DF1744E624FF}"/>
+              </a:ext>
+            </a:extLst>
+          </p:cNvPr>
+          <p:cNvCxnSpPr>
+            <a:cxnSpLocks/>
+            <a:stCxn id="42" idx="0"/>
+            <a:endCxn id="35" idx="2"/>
+          </p:cNvCxnSpPr>
+          <p:nvPr/>
+        </p:nvCxnSpPr>
+        <p:spPr>
+          <a:xfrm flipV="1">
+            <a:off x="7164291" y="2400302"/>
+            <a:ext cx="1921452" cy="403515"/>
+          </a:xfrm>
+          <a:prstGeom prst="straightConnector1">
+            <a:avLst/>
+          </a:prstGeom>
+          <a:ln>
+            <a:solidFill>
+              <a:schemeClr val="tx1"/>
+            </a:solidFill>
+            <a:headEnd type="triangle" w="med" len="med"/>
+            <a:tailEnd type="none" w="med" len="med"/>
+          </a:ln>
+        </p:spPr>
+        <p:style>
+          <a:lnRef idx="1">
+            <a:schemeClr val="accent1"/>
+          </a:lnRef>
+          <a:fillRef idx="0">
+            <a:schemeClr val="accent1"/>
+          </a:fillRef>
+          <a:effectRef idx="0">
+            <a:schemeClr val="accent1"/>
+          </a:effectRef>
+          <a:fontRef idx="minor">
+            <a:schemeClr val="tx1"/>
+          </a:fontRef>
+        </p:style>
+      </p:cxnSp>
+      <p:cxnSp>
+        <p:nvCxnSpPr>
+          <p:cNvPr id="49" name="직선 화살표 연결선 48">
+            <a:extLst>
+              <a:ext uri="{FF2B5EF4-FFF2-40B4-BE49-F238E27FC236}">
+                <a16:creationId xmlns:a16="http://schemas.microsoft.com/office/drawing/2014/main" id="{DB970ED8-C444-43B1-9C34-440BCD821A04}"/>
+              </a:ext>
+            </a:extLst>
+          </p:cNvPr>
+          <p:cNvCxnSpPr>
+            <a:cxnSpLocks/>
+            <a:stCxn id="43" idx="0"/>
+            <a:endCxn id="35" idx="2"/>
+          </p:cNvCxnSpPr>
+          <p:nvPr/>
+        </p:nvCxnSpPr>
+        <p:spPr>
+          <a:xfrm flipV="1">
+            <a:off x="8450278" y="2400302"/>
+            <a:ext cx="635465" cy="399616"/>
+          </a:xfrm>
+          <a:prstGeom prst="straightConnector1">
+            <a:avLst/>
+          </a:prstGeom>
+          <a:ln>
+            <a:solidFill>
+              <a:schemeClr val="tx1"/>
+            </a:solidFill>
+            <a:headEnd type="triangle" w="med" len="med"/>
+            <a:tailEnd type="none" w="med" len="med"/>
+          </a:ln>
+        </p:spPr>
+        <p:style>
+          <a:lnRef idx="1">
+            <a:schemeClr val="accent1"/>
+          </a:lnRef>
+          <a:fillRef idx="0">
+            <a:schemeClr val="accent1"/>
+          </a:fillRef>
+          <a:effectRef idx="0">
+            <a:schemeClr val="accent1"/>
+          </a:effectRef>
+          <a:fontRef idx="minor">
+            <a:schemeClr val="tx1"/>
+          </a:fontRef>
+        </p:style>
+      </p:cxnSp>
+      <p:cxnSp>
+        <p:nvCxnSpPr>
+          <p:cNvPr id="51" name="직선 화살표 연결선 50">
+            <a:extLst>
+              <a:ext uri="{FF2B5EF4-FFF2-40B4-BE49-F238E27FC236}">
+                <a16:creationId xmlns:a16="http://schemas.microsoft.com/office/drawing/2014/main" id="{1CB42F7B-00E4-4A92-8600-E9E2F7238254}"/>
+              </a:ext>
+            </a:extLst>
+          </p:cNvPr>
+          <p:cNvCxnSpPr>
+            <a:cxnSpLocks/>
+            <a:stCxn id="46" idx="0"/>
+            <a:endCxn id="35" idx="2"/>
+          </p:cNvCxnSpPr>
+          <p:nvPr/>
+        </p:nvCxnSpPr>
+        <p:spPr>
+          <a:xfrm flipH="1" flipV="1">
+            <a:off x="9085743" y="2400302"/>
+            <a:ext cx="650522" cy="399616"/>
+          </a:xfrm>
+          <a:prstGeom prst="straightConnector1">
+            <a:avLst/>
+          </a:prstGeom>
+          <a:ln>
+            <a:solidFill>
+              <a:schemeClr val="tx1"/>
+            </a:solidFill>
+            <a:headEnd type="triangle" w="med" len="med"/>
+            <a:tailEnd type="none" w="med" len="med"/>
+          </a:ln>
+        </p:spPr>
+        <p:style>
+          <a:lnRef idx="1">
+            <a:schemeClr val="accent1"/>
+          </a:lnRef>
+          <a:fillRef idx="0">
+            <a:schemeClr val="accent1"/>
+          </a:fillRef>
+          <a:effectRef idx="0">
+            <a:schemeClr val="accent1"/>
+          </a:effectRef>
+          <a:fontRef idx="minor">
+            <a:schemeClr val="tx1"/>
+          </a:fontRef>
+        </p:style>
+      </p:cxnSp>
+      <p:cxnSp>
+        <p:nvCxnSpPr>
+          <p:cNvPr id="52" name="직선 화살표 연결선 51">
+            <a:extLst>
+              <a:ext uri="{FF2B5EF4-FFF2-40B4-BE49-F238E27FC236}">
+                <a16:creationId xmlns:a16="http://schemas.microsoft.com/office/drawing/2014/main" id="{E9550229-B55F-4B4E-8CBE-FC90F3B0A895}"/>
+              </a:ext>
+            </a:extLst>
+          </p:cNvPr>
+          <p:cNvCxnSpPr>
+            <a:cxnSpLocks/>
+            <a:stCxn id="45" idx="0"/>
+            <a:endCxn id="35" idx="2"/>
+          </p:cNvCxnSpPr>
+          <p:nvPr/>
+        </p:nvCxnSpPr>
+        <p:spPr>
+          <a:xfrm flipH="1" flipV="1">
+            <a:off x="9085743" y="2400302"/>
+            <a:ext cx="1936509" cy="399616"/>
+          </a:xfrm>
+          <a:prstGeom prst="straightConnector1">
+            <a:avLst/>
+          </a:prstGeom>
+          <a:ln>
+            <a:solidFill>
+              <a:schemeClr val="tx1"/>
+            </a:solidFill>
+            <a:headEnd type="triangle" w="med" len="med"/>
+            <a:tailEnd type="none" w="med" len="med"/>
+          </a:ln>
+        </p:spPr>
+        <p:style>
+          <a:lnRef idx="1">
+            <a:schemeClr val="accent1"/>
+          </a:lnRef>
+          <a:fillRef idx="0">
+            <a:schemeClr val="accent1"/>
+          </a:fillRef>
+          <a:effectRef idx="0">
+            <a:schemeClr val="accent1"/>
+          </a:effectRef>
+          <a:fontRef idx="minor">
+            <a:schemeClr val="tx1"/>
+          </a:fontRef>
+        </p:style>
+      </p:cxnSp>
+      <p:sp>
+        <p:nvSpPr>
+          <p:cNvPr id="54" name="직사각형 53">
+            <a:extLst>
+              <a:ext uri="{FF2B5EF4-FFF2-40B4-BE49-F238E27FC236}">
+                <a16:creationId xmlns:a16="http://schemas.microsoft.com/office/drawing/2014/main" id="{E357234F-9942-46A4-B7C5-91A4A1C8E688}"/>
+              </a:ext>
+            </a:extLst>
+          </p:cNvPr>
+          <p:cNvSpPr/>
+          <p:nvPr/>
+        </p:nvSpPr>
+        <p:spPr>
+          <a:xfrm>
+            <a:off x="6275435" y="3092164"/>
+            <a:ext cx="1389463" cy="192232"/>
+          </a:xfrm>
+          <a:prstGeom prst="rect">
+            <a:avLst/>
+          </a:prstGeom>
+          <a:noFill/>
+          <a:ln>
+            <a:solidFill>
+              <a:srgbClr val="00B0F0"/>
+            </a:solidFill>
+          </a:ln>
+        </p:spPr>
+        <p:style>
+          <a:lnRef idx="2">
+            <a:schemeClr val="accent1">
+              <a:shade val="50000"/>
+            </a:schemeClr>
+          </a:lnRef>
+          <a:fillRef idx="1">
+            <a:schemeClr val="accent1"/>
+          </a:fillRef>
+          <a:effectRef idx="0">
+            <a:schemeClr val="accent1"/>
+          </a:effectRef>
+          <a:fontRef idx="minor">
+            <a:schemeClr val="lt1"/>
+          </a:fontRef>
+        </p:style>
+        <p:txBody>
+          <a:bodyPr rot="0" spcFirstLastPara="0" vertOverflow="overflow" horzOverflow="overflow" vert="horz" wrap="square" lIns="91440" tIns="45720" rIns="91440" bIns="45720" numCol="1" spcCol="0" rtlCol="0" fromWordArt="0" anchor="ctr" anchorCtr="0" forceAA="0" compatLnSpc="1">
+            <a:prstTxWarp prst="textNoShape">
+              <a:avLst/>
+            </a:prstTxWarp>
+            <a:noAutofit/>
+          </a:bodyPr>
+          <a:lstStyle/>
+          <a:p>
+            <a:pPr algn="ctr"/>
+            <a:r>
+              <a:rPr lang="en-US" altLang="ko-KR" sz="1050" dirty="0">
+                <a:solidFill>
+                  <a:sysClr val="windowText" lastClr="000000"/>
+                </a:solidFill>
+              </a:rPr>
+              <a:t>buyer_ui_home.xml</a:t>
+            </a:r>
+            <a:endParaRPr lang="ko-KR" altLang="en-US" sz="1050" dirty="0">
+              <a:solidFill>
+                <a:sysClr val="windowText" lastClr="000000"/>
+              </a:solidFill>
+            </a:endParaRPr>
+          </a:p>
+        </p:txBody>
+      </p:sp>
+      <p:sp>
+        <p:nvSpPr>
+          <p:cNvPr id="55" name="직사각형 54">
+            <a:extLst>
+              <a:ext uri="{FF2B5EF4-FFF2-40B4-BE49-F238E27FC236}">
+                <a16:creationId xmlns:a16="http://schemas.microsoft.com/office/drawing/2014/main" id="{83F7D404-3D2A-47B7-A978-AB95F9FD8D8A}"/>
+              </a:ext>
+            </a:extLst>
+          </p:cNvPr>
+          <p:cNvSpPr/>
+          <p:nvPr/>
+        </p:nvSpPr>
+        <p:spPr>
+          <a:xfrm>
+            <a:off x="7695639" y="3088265"/>
+            <a:ext cx="1389463" cy="192232"/>
+          </a:xfrm>
+          <a:prstGeom prst="rect">
+            <a:avLst/>
+          </a:prstGeom>
+          <a:noFill/>
+          <a:ln>
+            <a:solidFill>
+              <a:srgbClr val="00B0F0"/>
+            </a:solidFill>
+          </a:ln>
+        </p:spPr>
+        <p:style>
+          <a:lnRef idx="2">
+            <a:schemeClr val="accent1">
+              <a:shade val="50000"/>
+            </a:schemeClr>
+          </a:lnRef>
+          <a:fillRef idx="1">
+            <a:schemeClr val="accent1"/>
+          </a:fillRef>
+          <a:effectRef idx="0">
+            <a:schemeClr val="accent1"/>
+          </a:effectRef>
+          <a:fontRef idx="minor">
+            <a:schemeClr val="lt1"/>
+          </a:fontRef>
+        </p:style>
+        <p:txBody>
+          <a:bodyPr rot="0" spcFirstLastPara="0" vertOverflow="overflow" horzOverflow="overflow" vert="horz" wrap="square" lIns="91440" tIns="45720" rIns="91440" bIns="45720" numCol="1" spcCol="0" rtlCol="0" fromWordArt="0" anchor="ctr" anchorCtr="0" forceAA="0" compatLnSpc="1">
+            <a:prstTxWarp prst="textNoShape">
+              <a:avLst/>
+            </a:prstTxWarp>
+            <a:noAutofit/>
+          </a:bodyPr>
+          <a:lstStyle/>
+          <a:p>
+            <a:pPr algn="ctr"/>
+            <a:r>
+              <a:rPr lang="en-US" altLang="ko-KR" sz="1000" dirty="0">
+                <a:solidFill>
+                  <a:sysClr val="windowText" lastClr="000000"/>
+                </a:solidFill>
+              </a:rPr>
+              <a:t>buyer_ui_history.xml</a:t>
+            </a:r>
+            <a:endParaRPr lang="ko-KR" altLang="en-US" sz="1000" dirty="0">
+              <a:solidFill>
+                <a:sysClr val="windowText" lastClr="000000"/>
+              </a:solidFill>
+            </a:endParaRPr>
+          </a:p>
+        </p:txBody>
+      </p:sp>
+      <p:sp>
+        <p:nvSpPr>
+          <p:cNvPr id="61" name="직사각형 60">
+            <a:extLst>
+              <a:ext uri="{FF2B5EF4-FFF2-40B4-BE49-F238E27FC236}">
+                <a16:creationId xmlns:a16="http://schemas.microsoft.com/office/drawing/2014/main" id="{78E4A147-B4CE-440D-8713-4FF672DC5041}"/>
+              </a:ext>
+            </a:extLst>
+          </p:cNvPr>
+          <p:cNvSpPr/>
+          <p:nvPr/>
+        </p:nvSpPr>
+        <p:spPr>
+          <a:xfrm>
+            <a:off x="9110004" y="3088265"/>
+            <a:ext cx="1389463" cy="192232"/>
+          </a:xfrm>
+          <a:prstGeom prst="rect">
+            <a:avLst/>
+          </a:prstGeom>
+          <a:noFill/>
+          <a:ln>
+            <a:solidFill>
+              <a:srgbClr val="00B0F0"/>
+            </a:solidFill>
+          </a:ln>
+        </p:spPr>
+        <p:style>
+          <a:lnRef idx="2">
+            <a:schemeClr val="accent1">
+              <a:shade val="50000"/>
+            </a:schemeClr>
+          </a:lnRef>
+          <a:fillRef idx="1">
+            <a:schemeClr val="accent1"/>
+          </a:fillRef>
+          <a:effectRef idx="0">
+            <a:schemeClr val="accent1"/>
+          </a:effectRef>
+          <a:fontRef idx="minor">
+            <a:schemeClr val="lt1"/>
+          </a:fontRef>
+        </p:style>
+        <p:txBody>
+          <a:bodyPr rot="0" spcFirstLastPara="0" vertOverflow="overflow" horzOverflow="overflow" vert="horz" wrap="square" lIns="91440" tIns="45720" rIns="91440" bIns="45720" numCol="1" spcCol="0" rtlCol="0" fromWordArt="0" anchor="ctr" anchorCtr="0" forceAA="0" compatLnSpc="1">
+            <a:prstTxWarp prst="textNoShape">
+              <a:avLst/>
+            </a:prstTxWarp>
+            <a:noAutofit/>
+          </a:bodyPr>
+          <a:lstStyle/>
+          <a:p>
+            <a:pPr algn="ctr"/>
+            <a:r>
+              <a:rPr lang="en-US" altLang="ko-KR" sz="1050" dirty="0">
+                <a:solidFill>
+                  <a:sysClr val="windowText" lastClr="000000"/>
+                </a:solidFill>
+              </a:rPr>
+              <a:t>buyer_ui_today.xml</a:t>
+            </a:r>
+            <a:endParaRPr lang="ko-KR" altLang="en-US" sz="1050" dirty="0">
+              <a:solidFill>
+                <a:sysClr val="windowText" lastClr="000000"/>
+              </a:solidFill>
+            </a:endParaRPr>
+          </a:p>
+        </p:txBody>
+      </p:sp>
+      <p:sp>
+        <p:nvSpPr>
+          <p:cNvPr id="62" name="직사각형 61">
+            <a:extLst>
+              <a:ext uri="{FF2B5EF4-FFF2-40B4-BE49-F238E27FC236}">
+                <a16:creationId xmlns:a16="http://schemas.microsoft.com/office/drawing/2014/main" id="{8B66782B-B09E-4315-9312-C42CFBDF67D8}"/>
+              </a:ext>
+            </a:extLst>
+          </p:cNvPr>
+          <p:cNvSpPr/>
+          <p:nvPr/>
+        </p:nvSpPr>
+        <p:spPr>
+          <a:xfrm>
+            <a:off x="10524369" y="3088265"/>
+            <a:ext cx="1389463" cy="192232"/>
+          </a:xfrm>
+          <a:prstGeom prst="rect">
+            <a:avLst/>
+          </a:prstGeom>
+          <a:noFill/>
+          <a:ln>
+            <a:solidFill>
+              <a:srgbClr val="00B0F0"/>
+            </a:solidFill>
+          </a:ln>
+        </p:spPr>
+        <p:style>
+          <a:lnRef idx="2">
+            <a:schemeClr val="accent1">
+              <a:shade val="50000"/>
+            </a:schemeClr>
+          </a:lnRef>
+          <a:fillRef idx="1">
+            <a:schemeClr val="accent1"/>
+          </a:fillRef>
+          <a:effectRef idx="0">
+            <a:schemeClr val="accent1"/>
+          </a:effectRef>
+          <a:fontRef idx="minor">
+            <a:schemeClr val="lt1"/>
+          </a:fontRef>
+        </p:style>
+        <p:txBody>
+          <a:bodyPr rot="0" spcFirstLastPara="0" vertOverflow="overflow" horzOverflow="overflow" vert="horz" wrap="square" lIns="91440" tIns="45720" rIns="91440" bIns="45720" numCol="1" spcCol="0" rtlCol="0" fromWordArt="0" anchor="ctr" anchorCtr="0" forceAA="0" compatLnSpc="1">
+            <a:prstTxWarp prst="textNoShape">
+              <a:avLst/>
+            </a:prstTxWarp>
+            <a:noAutofit/>
+          </a:bodyPr>
+          <a:lstStyle/>
+          <a:p>
+            <a:pPr algn="ctr"/>
+            <a:r>
+              <a:rPr lang="en-US" altLang="ko-KR" sz="1050" dirty="0">
+                <a:solidFill>
+                  <a:sysClr val="windowText" lastClr="000000"/>
+                </a:solidFill>
+              </a:rPr>
+              <a:t>buyer_ui_info.xml</a:t>
+            </a:r>
+            <a:endParaRPr lang="ko-KR" altLang="en-US" sz="1050" dirty="0">
+              <a:solidFill>
+                <a:sysClr val="windowText" lastClr="000000"/>
+              </a:solidFill>
+            </a:endParaRPr>
+          </a:p>
+        </p:txBody>
+      </p:sp>
+      <p:cxnSp>
+        <p:nvCxnSpPr>
+          <p:cNvPr id="64" name="직선 화살표 연결선 63">
+            <a:extLst>
+              <a:ext uri="{FF2B5EF4-FFF2-40B4-BE49-F238E27FC236}">
+                <a16:creationId xmlns:a16="http://schemas.microsoft.com/office/drawing/2014/main" id="{4965F208-6958-4AE6-8B6A-F713BC1EFC9D}"/>
+              </a:ext>
+            </a:extLst>
+          </p:cNvPr>
+          <p:cNvCxnSpPr>
+            <a:cxnSpLocks/>
+            <a:stCxn id="42" idx="2"/>
+            <a:endCxn id="54" idx="0"/>
+          </p:cNvCxnSpPr>
+          <p:nvPr/>
+        </p:nvCxnSpPr>
+        <p:spPr>
+          <a:xfrm flipH="1">
+            <a:off x="6970167" y="2996049"/>
+            <a:ext cx="194124" cy="96115"/>
+          </a:xfrm>
+          <a:prstGeom prst="straightConnector1">
+            <a:avLst/>
+          </a:prstGeom>
+          <a:ln>
+            <a:solidFill>
+              <a:schemeClr val="tx1"/>
+            </a:solidFill>
+            <a:prstDash val="dash"/>
+            <a:headEnd type="none" w="med" len="med"/>
+            <a:tailEnd type="none" w="med" len="med"/>
+          </a:ln>
+        </p:spPr>
+        <p:style>
+          <a:lnRef idx="1">
+            <a:schemeClr val="accent1"/>
+          </a:lnRef>
+          <a:fillRef idx="0">
+            <a:schemeClr val="accent1"/>
+          </a:fillRef>
+          <a:effectRef idx="0">
+            <a:schemeClr val="accent1"/>
+          </a:effectRef>
+          <a:fontRef idx="minor">
+            <a:schemeClr val="tx1"/>
+          </a:fontRef>
+        </p:style>
+      </p:cxnSp>
+      <p:cxnSp>
+        <p:nvCxnSpPr>
+          <p:cNvPr id="65" name="직선 화살표 연결선 64">
+            <a:extLst>
+              <a:ext uri="{FF2B5EF4-FFF2-40B4-BE49-F238E27FC236}">
+                <a16:creationId xmlns:a16="http://schemas.microsoft.com/office/drawing/2014/main" id="{6E10BFDE-5844-4AD9-9628-F16241943175}"/>
+              </a:ext>
+            </a:extLst>
+          </p:cNvPr>
+          <p:cNvCxnSpPr>
+            <a:cxnSpLocks/>
+            <a:stCxn id="43" idx="2"/>
+            <a:endCxn id="55" idx="0"/>
+          </p:cNvCxnSpPr>
+          <p:nvPr/>
+        </p:nvCxnSpPr>
+        <p:spPr>
+          <a:xfrm flipH="1">
+            <a:off x="8390371" y="2992150"/>
+            <a:ext cx="59907" cy="96115"/>
+          </a:xfrm>
+          <a:prstGeom prst="straightConnector1">
+            <a:avLst/>
+          </a:prstGeom>
+          <a:ln>
+            <a:solidFill>
+              <a:schemeClr val="tx1"/>
+            </a:solidFill>
+            <a:prstDash val="dash"/>
+            <a:headEnd type="none" w="med" len="med"/>
+            <a:tailEnd type="none" w="med" len="med"/>
+          </a:ln>
+        </p:spPr>
+        <p:style>
+          <a:lnRef idx="1">
+            <a:schemeClr val="accent1"/>
+          </a:lnRef>
+          <a:fillRef idx="0">
+            <a:schemeClr val="accent1"/>
+          </a:fillRef>
+          <a:effectRef idx="0">
+            <a:schemeClr val="accent1"/>
+          </a:effectRef>
+          <a:fontRef idx="minor">
+            <a:schemeClr val="tx1"/>
+          </a:fontRef>
+        </p:style>
+      </p:cxnSp>
+      <p:cxnSp>
+        <p:nvCxnSpPr>
+          <p:cNvPr id="67" name="직선 화살표 연결선 66">
+            <a:extLst>
+              <a:ext uri="{FF2B5EF4-FFF2-40B4-BE49-F238E27FC236}">
+                <a16:creationId xmlns:a16="http://schemas.microsoft.com/office/drawing/2014/main" id="{63C34F59-EC79-4083-880E-5E453083D6EC}"/>
+              </a:ext>
+            </a:extLst>
+          </p:cNvPr>
+          <p:cNvCxnSpPr>
+            <a:cxnSpLocks/>
+            <a:stCxn id="46" idx="2"/>
+            <a:endCxn id="61" idx="0"/>
+          </p:cNvCxnSpPr>
+          <p:nvPr/>
+        </p:nvCxnSpPr>
+        <p:spPr>
+          <a:xfrm>
+            <a:off x="9736265" y="2992150"/>
+            <a:ext cx="68471" cy="96115"/>
+          </a:xfrm>
+          <a:prstGeom prst="straightConnector1">
+            <a:avLst/>
+          </a:prstGeom>
+          <a:ln>
+            <a:solidFill>
+              <a:schemeClr val="tx1"/>
+            </a:solidFill>
+            <a:prstDash val="dash"/>
+            <a:headEnd type="none" w="med" len="med"/>
+            <a:tailEnd type="none" w="med" len="med"/>
+          </a:ln>
+        </p:spPr>
+        <p:style>
+          <a:lnRef idx="1">
+            <a:schemeClr val="accent1"/>
+          </a:lnRef>
+          <a:fillRef idx="0">
+            <a:schemeClr val="accent1"/>
+          </a:fillRef>
+          <a:effectRef idx="0">
+            <a:schemeClr val="accent1"/>
+          </a:effectRef>
+          <a:fontRef idx="minor">
+            <a:schemeClr val="tx1"/>
+          </a:fontRef>
+        </p:style>
+      </p:cxnSp>
+      <p:cxnSp>
+        <p:nvCxnSpPr>
+          <p:cNvPr id="68" name="직선 화살표 연결선 67">
+            <a:extLst>
+              <a:ext uri="{FF2B5EF4-FFF2-40B4-BE49-F238E27FC236}">
+                <a16:creationId xmlns:a16="http://schemas.microsoft.com/office/drawing/2014/main" id="{4ED937F4-B37D-4343-973D-DB916817B122}"/>
+              </a:ext>
+            </a:extLst>
+          </p:cNvPr>
+          <p:cNvCxnSpPr>
+            <a:cxnSpLocks/>
+            <a:stCxn id="45" idx="2"/>
+            <a:endCxn id="62" idx="0"/>
+          </p:cNvCxnSpPr>
+          <p:nvPr/>
+        </p:nvCxnSpPr>
+        <p:spPr>
+          <a:xfrm>
+            <a:off x="11022252" y="2992150"/>
+            <a:ext cx="196849" cy="96115"/>
+          </a:xfrm>
+          <a:prstGeom prst="straightConnector1">
+            <a:avLst/>
+          </a:prstGeom>
+          <a:ln>
+            <a:solidFill>
+              <a:schemeClr val="tx1"/>
+            </a:solidFill>
+            <a:prstDash val="dash"/>
+            <a:headEnd type="none" w="med" len="med"/>
+            <a:tailEnd type="none" w="med" len="med"/>
+          </a:ln>
+        </p:spPr>
+        <p:style>
+          <a:lnRef idx="1">
+            <a:schemeClr val="accent1"/>
+          </a:lnRef>
+          <a:fillRef idx="0">
+            <a:schemeClr val="accent1"/>
+          </a:fillRef>
+          <a:effectRef idx="0">
+            <a:schemeClr val="accent1"/>
+          </a:effectRef>
+          <a:fontRef idx="minor">
+            <a:schemeClr val="tx1"/>
+          </a:fontRef>
+        </p:style>
+      </p:cxnSp>
     </p:spTree>
     <p:extLst>
       <p:ext uri="{BB962C8B-B14F-4D97-AF65-F5344CB8AC3E}">

--- a/Documents/연결 시각화.pptx
+++ b/Documents/연결 시각화.pptx
@@ -260,7 +260,7 @@
           <a:p>
             <a:fld id="{BC66E314-9A74-4E67-AD13-40888527D9FE}" type="datetimeFigureOut">
               <a:rPr lang="ko-KR" altLang="en-US" smtClean="0"/>
-              <a:t>2020-07-13</a:t>
+              <a:t>2020-07-20</a:t>
             </a:fld>
             <a:endParaRPr lang="ko-KR" altLang="en-US"/>
           </a:p>
@@ -458,7 +458,7 @@
           <a:p>
             <a:fld id="{BC66E314-9A74-4E67-AD13-40888527D9FE}" type="datetimeFigureOut">
               <a:rPr lang="ko-KR" altLang="en-US" smtClean="0"/>
-              <a:t>2020-07-13</a:t>
+              <a:t>2020-07-20</a:t>
             </a:fld>
             <a:endParaRPr lang="ko-KR" altLang="en-US"/>
           </a:p>
@@ -666,7 +666,7 @@
           <a:p>
             <a:fld id="{BC66E314-9A74-4E67-AD13-40888527D9FE}" type="datetimeFigureOut">
               <a:rPr lang="ko-KR" altLang="en-US" smtClean="0"/>
-              <a:t>2020-07-13</a:t>
+              <a:t>2020-07-20</a:t>
             </a:fld>
             <a:endParaRPr lang="ko-KR" altLang="en-US"/>
           </a:p>
@@ -864,7 +864,7 @@
           <a:p>
             <a:fld id="{BC66E314-9A74-4E67-AD13-40888527D9FE}" type="datetimeFigureOut">
               <a:rPr lang="ko-KR" altLang="en-US" smtClean="0"/>
-              <a:t>2020-07-13</a:t>
+              <a:t>2020-07-20</a:t>
             </a:fld>
             <a:endParaRPr lang="ko-KR" altLang="en-US"/>
           </a:p>
@@ -1139,7 +1139,7 @@
           <a:p>
             <a:fld id="{BC66E314-9A74-4E67-AD13-40888527D9FE}" type="datetimeFigureOut">
               <a:rPr lang="ko-KR" altLang="en-US" smtClean="0"/>
-              <a:t>2020-07-13</a:t>
+              <a:t>2020-07-20</a:t>
             </a:fld>
             <a:endParaRPr lang="ko-KR" altLang="en-US"/>
           </a:p>
@@ -1404,7 +1404,7 @@
           <a:p>
             <a:fld id="{BC66E314-9A74-4E67-AD13-40888527D9FE}" type="datetimeFigureOut">
               <a:rPr lang="ko-KR" altLang="en-US" smtClean="0"/>
-              <a:t>2020-07-13</a:t>
+              <a:t>2020-07-20</a:t>
             </a:fld>
             <a:endParaRPr lang="ko-KR" altLang="en-US"/>
           </a:p>
@@ -1816,7 +1816,7 @@
           <a:p>
             <a:fld id="{BC66E314-9A74-4E67-AD13-40888527D9FE}" type="datetimeFigureOut">
               <a:rPr lang="ko-KR" altLang="en-US" smtClean="0"/>
-              <a:t>2020-07-13</a:t>
+              <a:t>2020-07-20</a:t>
             </a:fld>
             <a:endParaRPr lang="ko-KR" altLang="en-US"/>
           </a:p>
@@ -1957,7 +1957,7 @@
           <a:p>
             <a:fld id="{BC66E314-9A74-4E67-AD13-40888527D9FE}" type="datetimeFigureOut">
               <a:rPr lang="ko-KR" altLang="en-US" smtClean="0"/>
-              <a:t>2020-07-13</a:t>
+              <a:t>2020-07-20</a:t>
             </a:fld>
             <a:endParaRPr lang="ko-KR" altLang="en-US"/>
           </a:p>
@@ -2070,7 +2070,7 @@
           <a:p>
             <a:fld id="{BC66E314-9A74-4E67-AD13-40888527D9FE}" type="datetimeFigureOut">
               <a:rPr lang="ko-KR" altLang="en-US" smtClean="0"/>
-              <a:t>2020-07-13</a:t>
+              <a:t>2020-07-20</a:t>
             </a:fld>
             <a:endParaRPr lang="ko-KR" altLang="en-US"/>
           </a:p>
@@ -2381,7 +2381,7 @@
           <a:p>
             <a:fld id="{BC66E314-9A74-4E67-AD13-40888527D9FE}" type="datetimeFigureOut">
               <a:rPr lang="ko-KR" altLang="en-US" smtClean="0"/>
-              <a:t>2020-07-13</a:t>
+              <a:t>2020-07-20</a:t>
             </a:fld>
             <a:endParaRPr lang="ko-KR" altLang="en-US"/>
           </a:p>
@@ -2669,7 +2669,7 @@
           <a:p>
             <a:fld id="{BC66E314-9A74-4E67-AD13-40888527D9FE}" type="datetimeFigureOut">
               <a:rPr lang="ko-KR" altLang="en-US" smtClean="0"/>
-              <a:t>2020-07-13</a:t>
+              <a:t>2020-07-20</a:t>
             </a:fld>
             <a:endParaRPr lang="ko-KR" altLang="en-US"/>
           </a:p>
@@ -2910,7 +2910,7 @@
           <a:p>
             <a:fld id="{BC66E314-9A74-4E67-AD13-40888527D9FE}" type="datetimeFigureOut">
               <a:rPr lang="ko-KR" altLang="en-US" smtClean="0"/>
-              <a:t>2020-07-13</a:t>
+              <a:t>2020-07-20</a:t>
             </a:fld>
             <a:endParaRPr lang="ko-KR" altLang="en-US"/>
           </a:p>
@@ -6148,6 +6148,139 @@
           </a:fontRef>
         </p:style>
       </p:cxnSp>
+      <p:sp>
+        <p:nvSpPr>
+          <p:cNvPr id="70" name="직사각형 69">
+            <a:extLst>
+              <a:ext uri="{FF2B5EF4-FFF2-40B4-BE49-F238E27FC236}">
+                <a16:creationId xmlns:a16="http://schemas.microsoft.com/office/drawing/2014/main" id="{9A7CC89D-5829-4445-9E31-CA0F192371CC}"/>
+              </a:ext>
+            </a:extLst>
+          </p:cNvPr>
+          <p:cNvSpPr/>
+          <p:nvPr/>
+        </p:nvSpPr>
+        <p:spPr>
+          <a:xfrm>
+            <a:off x="1817655" y="3468829"/>
+            <a:ext cx="1259032" cy="192232"/>
+          </a:xfrm>
+          <a:prstGeom prst="rect">
+            <a:avLst/>
+          </a:prstGeom>
+          <a:noFill/>
+          <a:ln>
+            <a:solidFill>
+              <a:schemeClr val="tx1"/>
+            </a:solidFill>
+          </a:ln>
+        </p:spPr>
+        <p:style>
+          <a:lnRef idx="2">
+            <a:schemeClr val="accent1">
+              <a:shade val="50000"/>
+            </a:schemeClr>
+          </a:lnRef>
+          <a:fillRef idx="1">
+            <a:schemeClr val="accent1"/>
+          </a:fillRef>
+          <a:effectRef idx="0">
+            <a:schemeClr val="accent1"/>
+          </a:effectRef>
+          <a:fontRef idx="minor">
+            <a:schemeClr val="lt1"/>
+          </a:fontRef>
+        </p:style>
+        <p:txBody>
+          <a:bodyPr rtlCol="0" anchor="ctr"/>
+          <a:lstStyle/>
+          <a:p>
+            <a:pPr algn="ctr"/>
+            <a:r>
+              <a:rPr lang="en-US" altLang="ko-KR" sz="900" dirty="0" err="1">
+                <a:solidFill>
+                  <a:sysClr val="windowText" lastClr="000000"/>
+                </a:solidFill>
+              </a:rPr>
+              <a:t>buyerUIHistoryDate</a:t>
+            </a:r>
+            <a:endParaRPr lang="ko-KR" altLang="en-US" sz="900" dirty="0">
+              <a:solidFill>
+                <a:sysClr val="windowText" lastClr="000000"/>
+              </a:solidFill>
+            </a:endParaRPr>
+          </a:p>
+        </p:txBody>
+      </p:sp>
+      <p:sp>
+        <p:nvSpPr>
+          <p:cNvPr id="71" name="직사각형 70">
+            <a:extLst>
+              <a:ext uri="{FF2B5EF4-FFF2-40B4-BE49-F238E27FC236}">
+                <a16:creationId xmlns:a16="http://schemas.microsoft.com/office/drawing/2014/main" id="{7A2503B0-2086-460B-A057-8D92A2A96AAA}"/>
+              </a:ext>
+            </a:extLst>
+          </p:cNvPr>
+          <p:cNvSpPr/>
+          <p:nvPr/>
+        </p:nvSpPr>
+        <p:spPr>
+          <a:xfrm>
+            <a:off x="1692532" y="3753277"/>
+            <a:ext cx="1389463" cy="192232"/>
+          </a:xfrm>
+          <a:prstGeom prst="rect">
+            <a:avLst/>
+          </a:prstGeom>
+          <a:noFill/>
+          <a:ln>
+            <a:solidFill>
+              <a:srgbClr val="00B0F0"/>
+            </a:solidFill>
+          </a:ln>
+        </p:spPr>
+        <p:style>
+          <a:lnRef idx="2">
+            <a:schemeClr val="accent1">
+              <a:shade val="50000"/>
+            </a:schemeClr>
+          </a:lnRef>
+          <a:fillRef idx="1">
+            <a:schemeClr val="accent1"/>
+          </a:fillRef>
+          <a:effectRef idx="0">
+            <a:schemeClr val="accent1"/>
+          </a:effectRef>
+          <a:fontRef idx="minor">
+            <a:schemeClr val="lt1"/>
+          </a:fontRef>
+        </p:style>
+        <p:txBody>
+          <a:bodyPr rot="0" spcFirstLastPara="0" vertOverflow="overflow" horzOverflow="overflow" vert="horz" wrap="square" lIns="91440" tIns="45720" rIns="91440" bIns="45720" numCol="1" spcCol="0" rtlCol="0" fromWordArt="0" anchor="ctr" anchorCtr="0" forceAA="0" compatLnSpc="1">
+            <a:prstTxWarp prst="textNoShape">
+              <a:avLst/>
+            </a:prstTxWarp>
+            <a:noAutofit/>
+          </a:bodyPr>
+          <a:lstStyle/>
+          <a:p>
+            <a:pPr algn="ctr"/>
+            <a:r>
+              <a:rPr lang="en-US" altLang="ko-KR" sz="800" dirty="0">
+                <a:solidFill>
+                  <a:sysClr val="windowText" lastClr="000000"/>
+                </a:solidFill>
+              </a:rPr>
+              <a:t>seller_ui_history_date.xml</a:t>
+            </a:r>
+            <a:endParaRPr lang="ko-KR" altLang="en-US" sz="800" dirty="0">
+              <a:solidFill>
+                <a:sysClr val="windowText" lastClr="000000"/>
+              </a:solidFill>
+            </a:endParaRPr>
+          </a:p>
+        </p:txBody>
+      </p:sp>
     </p:spTree>
     <p:extLst>
       <p:ext uri="{BB962C8B-B14F-4D97-AF65-F5344CB8AC3E}">
